--- a/Notional Architecture.pptx
+++ b/Notional Architecture.pptx
@@ -208,7 +208,7 @@
           <a:p>
             <a:fld id="{B0D30596-2923-5D48-AEBC-CB89FD9314CE}" type="datetimeFigureOut">
               <a:rPr lang="en-US" smtClean="0"/>
-              <a:t>12/19/17</a:t>
+              <a:t>1/2/18</a:t>
             </a:fld>
             <a:endParaRPr lang="en-US"/>
           </a:p>
@@ -999,7 +999,7 @@
           <a:p>
             <a:fld id="{0AF67F3D-0746-A74E-86FD-B7F503D17A1B}" type="datetimeFigureOut">
               <a:rPr lang="en-US" smtClean="0"/>
-              <a:t>12/19/17</a:t>
+              <a:t>1/2/18</a:t>
             </a:fld>
             <a:endParaRPr lang="en-US"/>
           </a:p>
@@ -1169,7 +1169,7 @@
           <a:p>
             <a:fld id="{0AF67F3D-0746-A74E-86FD-B7F503D17A1B}" type="datetimeFigureOut">
               <a:rPr lang="en-US" smtClean="0"/>
-              <a:t>12/19/17</a:t>
+              <a:t>1/2/18</a:t>
             </a:fld>
             <a:endParaRPr lang="en-US"/>
           </a:p>
@@ -1349,7 +1349,7 @@
           <a:p>
             <a:fld id="{0AF67F3D-0746-A74E-86FD-B7F503D17A1B}" type="datetimeFigureOut">
               <a:rPr lang="en-US" smtClean="0"/>
-              <a:t>12/19/17</a:t>
+              <a:t>1/2/18</a:t>
             </a:fld>
             <a:endParaRPr lang="en-US"/>
           </a:p>
@@ -1608,7 +1608,7 @@
                   <a:srgbClr val="FFFFFF"/>
                 </a:solidFill>
               </a:rPr>
-              <a:t>12/19/17</a:t>
+              <a:t>1/2/18</a:t>
             </a:fld>
             <a:endParaRPr lang="en-US" kern="0" dirty="0">
               <a:solidFill>
@@ -1858,7 +1858,7 @@
                 </a:solidFill>
               </a:rPr>
               <a:pPr/>
-              <a:t>12/19/17</a:t>
+              <a:t>1/2/18</a:t>
             </a:fld>
             <a:endParaRPr lang="en-US" dirty="0">
               <a:solidFill>
@@ -2209,7 +2209,7 @@
                 </a:solidFill>
               </a:rPr>
               <a:pPr/>
-              <a:t>12/19/17</a:t>
+              <a:t>1/2/18</a:t>
             </a:fld>
             <a:endParaRPr lang="en-US" dirty="0">
               <a:solidFill>
@@ -2560,7 +2560,7 @@
                 </a:solidFill>
               </a:rPr>
               <a:pPr/>
-              <a:t>12/19/17</a:t>
+              <a:t>1/2/18</a:t>
             </a:fld>
             <a:endParaRPr lang="en-US" dirty="0">
               <a:solidFill>
@@ -3101,7 +3101,7 @@
           <a:p>
             <a:fld id="{0AF67F3D-0746-A74E-86FD-B7F503D17A1B}" type="datetimeFigureOut">
               <a:rPr lang="en-US" smtClean="0"/>
-              <a:t>12/19/17</a:t>
+              <a:t>1/2/18</a:t>
             </a:fld>
             <a:endParaRPr lang="en-US"/>
           </a:p>
@@ -3347,7 +3347,7 @@
           <a:p>
             <a:fld id="{0AF67F3D-0746-A74E-86FD-B7F503D17A1B}" type="datetimeFigureOut">
               <a:rPr lang="en-US" smtClean="0"/>
-              <a:t>12/19/17</a:t>
+              <a:t>1/2/18</a:t>
             </a:fld>
             <a:endParaRPr lang="en-US"/>
           </a:p>
@@ -3579,7 +3579,7 @@
           <a:p>
             <a:fld id="{0AF67F3D-0746-A74E-86FD-B7F503D17A1B}" type="datetimeFigureOut">
               <a:rPr lang="en-US" smtClean="0"/>
-              <a:t>12/19/17</a:t>
+              <a:t>1/2/18</a:t>
             </a:fld>
             <a:endParaRPr lang="en-US"/>
           </a:p>
@@ -3946,7 +3946,7 @@
           <a:p>
             <a:fld id="{0AF67F3D-0746-A74E-86FD-B7F503D17A1B}" type="datetimeFigureOut">
               <a:rPr lang="en-US" smtClean="0"/>
-              <a:t>12/19/17</a:t>
+              <a:t>1/2/18</a:t>
             </a:fld>
             <a:endParaRPr lang="en-US"/>
           </a:p>
@@ -4064,7 +4064,7 @@
           <a:p>
             <a:fld id="{0AF67F3D-0746-A74E-86FD-B7F503D17A1B}" type="datetimeFigureOut">
               <a:rPr lang="en-US" smtClean="0"/>
-              <a:t>12/19/17</a:t>
+              <a:t>1/2/18</a:t>
             </a:fld>
             <a:endParaRPr lang="en-US"/>
           </a:p>
@@ -4159,7 +4159,7 @@
           <a:p>
             <a:fld id="{0AF67F3D-0746-A74E-86FD-B7F503D17A1B}" type="datetimeFigureOut">
               <a:rPr lang="en-US" smtClean="0"/>
-              <a:t>12/19/17</a:t>
+              <a:t>1/2/18</a:t>
             </a:fld>
             <a:endParaRPr lang="en-US"/>
           </a:p>
@@ -4436,7 +4436,7 @@
           <a:p>
             <a:fld id="{0AF67F3D-0746-A74E-86FD-B7F503D17A1B}" type="datetimeFigureOut">
               <a:rPr lang="en-US" smtClean="0"/>
-              <a:t>12/19/17</a:t>
+              <a:t>1/2/18</a:t>
             </a:fld>
             <a:endParaRPr lang="en-US"/>
           </a:p>
@@ -4689,7 +4689,7 @@
           <a:p>
             <a:fld id="{0AF67F3D-0746-A74E-86FD-B7F503D17A1B}" type="datetimeFigureOut">
               <a:rPr lang="en-US" smtClean="0"/>
-              <a:t>12/19/17</a:t>
+              <a:t>1/2/18</a:t>
             </a:fld>
             <a:endParaRPr lang="en-US"/>
           </a:p>
@@ -4902,7 +4902,7 @@
           <a:p>
             <a:fld id="{0AF67F3D-0746-A74E-86FD-B7F503D17A1B}" type="datetimeFigureOut">
               <a:rPr lang="en-US" smtClean="0"/>
-              <a:t>12/19/17</a:t>
+              <a:t>1/2/18</a:t>
             </a:fld>
             <a:endParaRPr lang="en-US"/>
           </a:p>
@@ -22861,10 +22861,10 @@
         </p:nvGrpSpPr>
         <p:grpSpPr>
           <a:xfrm>
-            <a:off x="7568034" y="3387877"/>
-            <a:ext cx="783243" cy="1126081"/>
-            <a:chOff x="10454672" y="2608344"/>
-            <a:chExt cx="783243" cy="1126081"/>
+            <a:off x="7665477" y="3530229"/>
+            <a:ext cx="685800" cy="983729"/>
+            <a:chOff x="10552115" y="2750696"/>
+            <a:chExt cx="685800" cy="983729"/>
           </a:xfrm>
         </p:grpSpPr>
         <p:sp>
@@ -22875,8 +22875,8 @@
           </p:nvSpPr>
           <p:spPr>
             <a:xfrm>
-              <a:off x="10454672" y="2608344"/>
-              <a:ext cx="782587" cy="461665"/>
+              <a:off x="10633565" y="2750696"/>
+              <a:ext cx="522900" cy="276999"/>
             </a:xfrm>
             <a:prstGeom prst="rect">
               <a:avLst/>
@@ -22898,7 +22898,7 @@
                   <a:cs typeface="MV Boli" pitchFamily="2" charset="0"/>
                   <a:sym typeface="Calibri"/>
                 </a:rPr>
-                <a:t>Retailer</a:t>
+                <a:t>DBCS</a:t>
               </a:r>
               <a:endParaRPr lang="en-US" sz="1200" b="1" kern="0" dirty="0">
                 <a:solidFill>
@@ -22908,20 +22908,6 @@
                 <a:cs typeface="MV Boli" pitchFamily="2" charset="0"/>
                 <a:sym typeface="Calibri"/>
               </a:endParaRPr>
-            </a:p>
-            <a:p>
-              <a:pPr algn="ctr"/>
-              <a:r>
-                <a:rPr lang="en-US" sz="1200" b="1" kern="0" dirty="0">
-                  <a:solidFill>
-                    <a:schemeClr val="bg1"/>
-                  </a:solidFill>
-                  <a:ea typeface="Calibri"/>
-                  <a:cs typeface="MV Boli" pitchFamily="2" charset="0"/>
-                  <a:sym typeface="Calibri"/>
-                </a:rPr>
-                <a:t>Database</a:t>
-              </a:r>
             </a:p>
           </p:txBody>
         </p:sp>
